--- a/workspace/スライドを保存するサンプル.pptx
+++ b/workspace/スライドを保存するサンプル.pptx
@@ -6,6 +6,7 @@
   </p:sldMasterIdLst>
   <p:sldIdLst>
     <p:sldId id="256" r:id="rId2"/>
+    <p:sldId id="257" r:id="rId3"/>
   </p:sldIdLst>
   <p:sldSz cx="7199313" cy="5400675"/>
   <p:notesSz cx="6858000" cy="9144000"/>
@@ -104,6 +105,11 @@
       </a:defRPr>
     </a:lvl9pPr>
   </p:defaultTextStyle>
+  <p:extLst>
+    <p:ext uri="{EFAFB233-063F-42B5-8137-9DF3F51BA10A}">
+      <p15:sldGuideLst xmlns:p15="http://schemas.microsoft.com/office/powerpoint/2012/main"/>
+    </p:ext>
+  </p:extLst>
 </p:presentation>
 </file>
 
@@ -238,7 +244,7 @@
           <a:p>
             <a:fld id="{A64C0FD3-B650-4306-A484-4EE13EE6A12B}" type="datetimeFigureOut">
               <a:rPr kumimoji="1" lang="ja-JP" altLang="en-US" smtClean="0"/>
-              <a:t>2021/3/26</a:t>
+              <a:t>2021/3/28</a:t>
             </a:fld>
             <a:endParaRPr kumimoji="1" lang="ja-JP" altLang="en-US"/>
           </a:p>
@@ -440,7 +446,7 @@
           <a:p>
             <a:fld id="{A64C0FD3-B650-4306-A484-4EE13EE6A12B}" type="datetimeFigureOut">
               <a:rPr kumimoji="1" lang="ja-JP" altLang="en-US" smtClean="0"/>
-              <a:t>2021/3/26</a:t>
+              <a:t>2021/3/28</a:t>
             </a:fld>
             <a:endParaRPr kumimoji="1" lang="ja-JP" altLang="en-US"/>
           </a:p>
@@ -652,7 +658,7 @@
           <a:p>
             <a:fld id="{A64C0FD3-B650-4306-A484-4EE13EE6A12B}" type="datetimeFigureOut">
               <a:rPr kumimoji="1" lang="ja-JP" altLang="en-US" smtClean="0"/>
-              <a:t>2021/3/26</a:t>
+              <a:t>2021/3/28</a:t>
             </a:fld>
             <a:endParaRPr kumimoji="1" lang="ja-JP" altLang="en-US"/>
           </a:p>
@@ -854,7 +860,7 @@
           <a:p>
             <a:fld id="{A64C0FD3-B650-4306-A484-4EE13EE6A12B}" type="datetimeFigureOut">
               <a:rPr kumimoji="1" lang="ja-JP" altLang="en-US" smtClean="0"/>
-              <a:t>2021/3/26</a:t>
+              <a:t>2021/3/28</a:t>
             </a:fld>
             <a:endParaRPr kumimoji="1" lang="ja-JP" altLang="en-US"/>
           </a:p>
@@ -1098,7 +1104,7 @@
           <a:p>
             <a:fld id="{A64C0FD3-B650-4306-A484-4EE13EE6A12B}" type="datetimeFigureOut">
               <a:rPr kumimoji="1" lang="ja-JP" altLang="en-US" smtClean="0"/>
-              <a:t>2021/3/26</a:t>
+              <a:t>2021/3/28</a:t>
             </a:fld>
             <a:endParaRPr kumimoji="1" lang="ja-JP" altLang="en-US"/>
           </a:p>
@@ -1394,7 +1400,7 @@
           <a:p>
             <a:fld id="{A64C0FD3-B650-4306-A484-4EE13EE6A12B}" type="datetimeFigureOut">
               <a:rPr kumimoji="1" lang="ja-JP" altLang="en-US" smtClean="0"/>
-              <a:t>2021/3/26</a:t>
+              <a:t>2021/3/28</a:t>
             </a:fld>
             <a:endParaRPr kumimoji="1" lang="ja-JP" altLang="en-US"/>
           </a:p>
@@ -1825,7 +1831,7 @@
           <a:p>
             <a:fld id="{A64C0FD3-B650-4306-A484-4EE13EE6A12B}" type="datetimeFigureOut">
               <a:rPr kumimoji="1" lang="ja-JP" altLang="en-US" smtClean="0"/>
-              <a:t>2021/3/26</a:t>
+              <a:t>2021/3/28</a:t>
             </a:fld>
             <a:endParaRPr kumimoji="1" lang="ja-JP" altLang="en-US"/>
           </a:p>
@@ -1943,7 +1949,7 @@
           <a:p>
             <a:fld id="{A64C0FD3-B650-4306-A484-4EE13EE6A12B}" type="datetimeFigureOut">
               <a:rPr kumimoji="1" lang="ja-JP" altLang="en-US" smtClean="0"/>
-              <a:t>2021/3/26</a:t>
+              <a:t>2021/3/28</a:t>
             </a:fld>
             <a:endParaRPr kumimoji="1" lang="ja-JP" altLang="en-US"/>
           </a:p>
@@ -2038,7 +2044,7 @@
           <a:p>
             <a:fld id="{A64C0FD3-B650-4306-A484-4EE13EE6A12B}" type="datetimeFigureOut">
               <a:rPr kumimoji="1" lang="ja-JP" altLang="en-US" smtClean="0"/>
-              <a:t>2021/3/26</a:t>
+              <a:t>2021/3/28</a:t>
             </a:fld>
             <a:endParaRPr kumimoji="1" lang="ja-JP" altLang="en-US"/>
           </a:p>
@@ -2347,7 +2353,7 @@
           <a:p>
             <a:fld id="{A64C0FD3-B650-4306-A484-4EE13EE6A12B}" type="datetimeFigureOut">
               <a:rPr kumimoji="1" lang="ja-JP" altLang="en-US" smtClean="0"/>
-              <a:t>2021/3/26</a:t>
+              <a:t>2021/3/28</a:t>
             </a:fld>
             <a:endParaRPr kumimoji="1" lang="ja-JP" altLang="en-US"/>
           </a:p>
@@ -2604,7 +2610,7 @@
           <a:p>
             <a:fld id="{A64C0FD3-B650-4306-A484-4EE13EE6A12B}" type="datetimeFigureOut">
               <a:rPr kumimoji="1" lang="ja-JP" altLang="en-US" smtClean="0"/>
-              <a:t>2021/3/26</a:t>
+              <a:t>2021/3/28</a:t>
             </a:fld>
             <a:endParaRPr kumimoji="1" lang="ja-JP" altLang="en-US"/>
           </a:p>
@@ -2849,7 +2855,7 @@
           <a:p>
             <a:fld id="{A64C0FD3-B650-4306-A484-4EE13EE6A12B}" type="datetimeFigureOut">
               <a:rPr kumimoji="1" lang="ja-JP" altLang="en-US" smtClean="0"/>
-              <a:t>2021/3/26</a:t>
+              <a:t>2021/3/28</a:t>
             </a:fld>
             <a:endParaRPr kumimoji="1" lang="ja-JP" altLang="en-US"/>
           </a:p>
@@ -5304,6 +5310,1143 @@
 </p:sld>
 </file>
 
+<file path=ppt/slides/slide2.xml><?xml version="1.0" encoding="utf-8"?>
+<p:sld xmlns:a="http://schemas.openxmlformats.org/drawingml/2006/main" xmlns:r="http://schemas.openxmlformats.org/officeDocument/2006/relationships" xmlns:p="http://schemas.openxmlformats.org/presentationml/2006/main">
+  <p:cSld>
+    <p:spTree>
+      <p:nvGrpSpPr>
+        <p:cNvPr id="1" name=""/>
+        <p:cNvGrpSpPr/>
+        <p:nvPr/>
+      </p:nvGrpSpPr>
+      <p:grpSpPr>
+        <a:xfrm>
+          <a:off x="0" y="0"/>
+          <a:ext cx="0" cy="0"/>
+          <a:chOff x="0" y="0"/>
+          <a:chExt cx="0" cy="0"/>
+        </a:xfrm>
+      </p:grpSpPr>
+      <p:sp>
+        <p:nvSpPr>
+          <p:cNvPr id="24" name="直方体 23">
+            <a:extLst>
+              <a:ext uri="{FF2B5EF4-FFF2-40B4-BE49-F238E27FC236}">
+                <a16:creationId xmlns:a16="http://schemas.microsoft.com/office/drawing/2014/main" id="{498A54B7-E86D-427A-813E-262D778B3697}"/>
+              </a:ext>
+            </a:extLst>
+          </p:cNvPr>
+          <p:cNvSpPr/>
+          <p:nvPr/>
+        </p:nvSpPr>
+        <p:spPr>
+          <a:xfrm>
+            <a:off x="310393" y="230981"/>
+            <a:ext cx="310392" cy="310392"/>
+          </a:xfrm>
+          <a:prstGeom prst="cube">
+            <a:avLst/>
+          </a:prstGeom>
+          <a:solidFill>
+            <a:schemeClr val="bg1">
+              <a:lumMod val="95000"/>
+            </a:schemeClr>
+          </a:solidFill>
+          <a:ln>
+            <a:solidFill>
+              <a:schemeClr val="tx1"/>
+            </a:solidFill>
+          </a:ln>
+        </p:spPr>
+        <p:style>
+          <a:lnRef idx="2">
+            <a:schemeClr val="accent1">
+              <a:shade val="50000"/>
+            </a:schemeClr>
+          </a:lnRef>
+          <a:fillRef idx="1">
+            <a:schemeClr val="accent1"/>
+          </a:fillRef>
+          <a:effectRef idx="0">
+            <a:schemeClr val="accent1"/>
+          </a:effectRef>
+          <a:fontRef idx="minor">
+            <a:schemeClr val="lt1"/>
+          </a:fontRef>
+        </p:style>
+        <p:txBody>
+          <a:bodyPr rtlCol="0" anchor="ctr"/>
+          <a:lstStyle/>
+          <a:p>
+            <a:pPr algn="ctr"/>
+            <a:endParaRPr kumimoji="1" lang="ja-JP" altLang="en-US"/>
+          </a:p>
+        </p:txBody>
+      </p:sp>
+      <p:sp>
+        <p:nvSpPr>
+          <p:cNvPr id="25" name="テキスト ボックス 24">
+            <a:extLst>
+              <a:ext uri="{FF2B5EF4-FFF2-40B4-BE49-F238E27FC236}">
+                <a16:creationId xmlns:a16="http://schemas.microsoft.com/office/drawing/2014/main" id="{9303D9FA-10DF-47C6-B424-4ED85F42A2F6}"/>
+              </a:ext>
+            </a:extLst>
+          </p:cNvPr>
+          <p:cNvSpPr txBox="1"/>
+          <p:nvPr/>
+        </p:nvSpPr>
+        <p:spPr>
+          <a:xfrm>
+            <a:off x="620785" y="202818"/>
+            <a:ext cx="696153" cy="338554"/>
+          </a:xfrm>
+          <a:prstGeom prst="rect">
+            <a:avLst/>
+          </a:prstGeom>
+          <a:noFill/>
+        </p:spPr>
+        <p:txBody>
+          <a:bodyPr wrap="none" rtlCol="0">
+            <a:spAutoFit/>
+          </a:bodyPr>
+          <a:lstStyle/>
+          <a:p>
+            <a:r>
+              <a:rPr kumimoji="1" lang="en-US" altLang="ja-JP" sz="1600" dirty="0"/>
+              <a:t>Player</a:t>
+            </a:r>
+            <a:endParaRPr kumimoji="1" lang="ja-JP" altLang="en-US" sz="1600" dirty="0"/>
+          </a:p>
+        </p:txBody>
+      </p:sp>
+      <p:sp>
+        <p:nvSpPr>
+          <p:cNvPr id="26" name="四角形: 1 つの角を切り取る 25">
+            <a:extLst>
+              <a:ext uri="{FF2B5EF4-FFF2-40B4-BE49-F238E27FC236}">
+                <a16:creationId xmlns:a16="http://schemas.microsoft.com/office/drawing/2014/main" id="{40D55D01-BD8C-467B-9248-4EE745A8566E}"/>
+              </a:ext>
+            </a:extLst>
+          </p:cNvPr>
+          <p:cNvSpPr/>
+          <p:nvPr/>
+        </p:nvSpPr>
+        <p:spPr>
+          <a:xfrm>
+            <a:off x="729841" y="541372"/>
+            <a:ext cx="201336" cy="248676"/>
+          </a:xfrm>
+          <a:prstGeom prst="snip1Rect">
+            <a:avLst/>
+          </a:prstGeom>
+          <a:noFill/>
+          <a:ln w="6350">
+            <a:solidFill>
+              <a:schemeClr val="tx1"/>
+            </a:solidFill>
+          </a:ln>
+        </p:spPr>
+        <p:style>
+          <a:lnRef idx="2">
+            <a:schemeClr val="accent1">
+              <a:shade val="50000"/>
+            </a:schemeClr>
+          </a:lnRef>
+          <a:fillRef idx="1">
+            <a:schemeClr val="accent1"/>
+          </a:fillRef>
+          <a:effectRef idx="0">
+            <a:schemeClr val="accent1"/>
+          </a:effectRef>
+          <a:fontRef idx="minor">
+            <a:schemeClr val="lt1"/>
+          </a:fontRef>
+        </p:style>
+        <p:txBody>
+          <a:bodyPr rtlCol="0" anchor="ctr"/>
+          <a:lstStyle/>
+          <a:p>
+            <a:pPr algn="ctr"/>
+            <a:r>
+              <a:rPr kumimoji="1" lang="en-US" altLang="ja-JP" dirty="0">
+                <a:solidFill>
+                  <a:schemeClr val="tx1"/>
+                </a:solidFill>
+              </a:rPr>
+              <a:t>#</a:t>
+            </a:r>
+            <a:endParaRPr kumimoji="1" lang="ja-JP" altLang="en-US" dirty="0">
+              <a:solidFill>
+                <a:schemeClr val="tx1"/>
+              </a:solidFill>
+            </a:endParaRPr>
+          </a:p>
+        </p:txBody>
+      </p:sp>
+      <p:sp>
+        <p:nvSpPr>
+          <p:cNvPr id="27" name="テキスト ボックス 26">
+            <a:extLst>
+              <a:ext uri="{FF2B5EF4-FFF2-40B4-BE49-F238E27FC236}">
+                <a16:creationId xmlns:a16="http://schemas.microsoft.com/office/drawing/2014/main" id="{A9E59081-24AE-4439-83FA-265F11DA4B2D}"/>
+              </a:ext>
+            </a:extLst>
+          </p:cNvPr>
+          <p:cNvSpPr txBox="1"/>
+          <p:nvPr/>
+        </p:nvSpPr>
+        <p:spPr>
+          <a:xfrm>
+            <a:off x="880843" y="541372"/>
+            <a:ext cx="1668534" cy="307777"/>
+          </a:xfrm>
+          <a:prstGeom prst="rect">
+            <a:avLst/>
+          </a:prstGeom>
+          <a:noFill/>
+        </p:spPr>
+        <p:txBody>
+          <a:bodyPr wrap="none" rtlCol="0">
+            <a:spAutoFit/>
+          </a:bodyPr>
+          <a:lstStyle/>
+          <a:p>
+            <a:r>
+              <a:rPr kumimoji="1" lang="en-US" altLang="ja-JP" sz="1400" dirty="0"/>
+              <a:t>Character Controller</a:t>
+            </a:r>
+            <a:endParaRPr kumimoji="1" lang="ja-JP" altLang="en-US" sz="1400" dirty="0"/>
+          </a:p>
+        </p:txBody>
+      </p:sp>
+      <p:sp>
+        <p:nvSpPr>
+          <p:cNvPr id="28" name="四角形: 1 つの角を切り取る 27">
+            <a:extLst>
+              <a:ext uri="{FF2B5EF4-FFF2-40B4-BE49-F238E27FC236}">
+                <a16:creationId xmlns:a16="http://schemas.microsoft.com/office/drawing/2014/main" id="{8CD51CA8-9A6A-430F-BAE6-F429B5A0450B}"/>
+              </a:ext>
+            </a:extLst>
+          </p:cNvPr>
+          <p:cNvSpPr/>
+          <p:nvPr/>
+        </p:nvSpPr>
+        <p:spPr>
+          <a:xfrm>
+            <a:off x="729841" y="820825"/>
+            <a:ext cx="201336" cy="248676"/>
+          </a:xfrm>
+          <a:prstGeom prst="snip1Rect">
+            <a:avLst/>
+          </a:prstGeom>
+          <a:noFill/>
+          <a:ln w="6350">
+            <a:solidFill>
+              <a:schemeClr val="tx1"/>
+            </a:solidFill>
+          </a:ln>
+        </p:spPr>
+        <p:style>
+          <a:lnRef idx="2">
+            <a:schemeClr val="accent1">
+              <a:shade val="50000"/>
+            </a:schemeClr>
+          </a:lnRef>
+          <a:fillRef idx="1">
+            <a:schemeClr val="accent1"/>
+          </a:fillRef>
+          <a:effectRef idx="0">
+            <a:schemeClr val="accent1"/>
+          </a:effectRef>
+          <a:fontRef idx="minor">
+            <a:schemeClr val="lt1"/>
+          </a:fontRef>
+        </p:style>
+        <p:txBody>
+          <a:bodyPr rtlCol="0" anchor="ctr"/>
+          <a:lstStyle/>
+          <a:p>
+            <a:pPr algn="ctr"/>
+            <a:r>
+              <a:rPr kumimoji="1" lang="en-US" altLang="ja-JP" dirty="0">
+                <a:solidFill>
+                  <a:schemeClr val="tx1"/>
+                </a:solidFill>
+              </a:rPr>
+              <a:t>#</a:t>
+            </a:r>
+            <a:endParaRPr kumimoji="1" lang="ja-JP" altLang="en-US" dirty="0">
+              <a:solidFill>
+                <a:schemeClr val="tx1"/>
+              </a:solidFill>
+            </a:endParaRPr>
+          </a:p>
+        </p:txBody>
+      </p:sp>
+      <p:sp>
+        <p:nvSpPr>
+          <p:cNvPr id="29" name="テキスト ボックス 28">
+            <a:extLst>
+              <a:ext uri="{FF2B5EF4-FFF2-40B4-BE49-F238E27FC236}">
+                <a16:creationId xmlns:a16="http://schemas.microsoft.com/office/drawing/2014/main" id="{022BF78A-3F10-4551-84E7-FB7BB1994D7B}"/>
+              </a:ext>
+            </a:extLst>
+          </p:cNvPr>
+          <p:cNvSpPr txBox="1"/>
+          <p:nvPr/>
+        </p:nvSpPr>
+        <p:spPr>
+          <a:xfrm>
+            <a:off x="880843" y="820825"/>
+            <a:ext cx="1469377" cy="307777"/>
+          </a:xfrm>
+          <a:prstGeom prst="rect">
+            <a:avLst/>
+          </a:prstGeom>
+          <a:noFill/>
+        </p:spPr>
+        <p:txBody>
+          <a:bodyPr wrap="none" rtlCol="0">
+            <a:spAutoFit/>
+          </a:bodyPr>
+          <a:lstStyle/>
+          <a:p>
+            <a:r>
+              <a:rPr kumimoji="1" lang="en-US" altLang="ja-JP" sz="1400" dirty="0"/>
+              <a:t>(Capsule Collider)</a:t>
+            </a:r>
+            <a:endParaRPr kumimoji="1" lang="ja-JP" altLang="en-US" sz="1400" dirty="0"/>
+          </a:p>
+        </p:txBody>
+      </p:sp>
+      <p:cxnSp>
+        <p:nvCxnSpPr>
+          <p:cNvPr id="30" name="直線コネクタ 29">
+            <a:extLst>
+              <a:ext uri="{FF2B5EF4-FFF2-40B4-BE49-F238E27FC236}">
+                <a16:creationId xmlns:a16="http://schemas.microsoft.com/office/drawing/2014/main" id="{5CF0D1EB-9A55-4880-9E57-DA9B3910411D}"/>
+              </a:ext>
+            </a:extLst>
+          </p:cNvPr>
+          <p:cNvCxnSpPr/>
+          <p:nvPr/>
+        </p:nvCxnSpPr>
+        <p:spPr>
+          <a:xfrm>
+            <a:off x="1392572" y="381983"/>
+            <a:ext cx="1493241" cy="0"/>
+          </a:xfrm>
+          <a:prstGeom prst="line">
+            <a:avLst/>
+          </a:prstGeom>
+          <a:ln>
+            <a:solidFill>
+              <a:schemeClr val="tx1"/>
+            </a:solidFill>
+          </a:ln>
+        </p:spPr>
+        <p:style>
+          <a:lnRef idx="1">
+            <a:schemeClr val="accent1"/>
+          </a:lnRef>
+          <a:fillRef idx="0">
+            <a:schemeClr val="accent1"/>
+          </a:fillRef>
+          <a:effectRef idx="0">
+            <a:schemeClr val="accent1"/>
+          </a:effectRef>
+          <a:fontRef idx="minor">
+            <a:schemeClr val="tx1"/>
+          </a:fontRef>
+        </p:style>
+      </p:cxnSp>
+      <p:sp>
+        <p:nvSpPr>
+          <p:cNvPr id="31" name="四角形: 1 つの角を切り取る 30">
+            <a:extLst>
+              <a:ext uri="{FF2B5EF4-FFF2-40B4-BE49-F238E27FC236}">
+                <a16:creationId xmlns:a16="http://schemas.microsoft.com/office/drawing/2014/main" id="{9369AFED-8658-4239-AACA-CBE0FEB261BF}"/>
+              </a:ext>
+            </a:extLst>
+          </p:cNvPr>
+          <p:cNvSpPr/>
+          <p:nvPr/>
+        </p:nvSpPr>
+        <p:spPr>
+          <a:xfrm>
+            <a:off x="729841" y="1100278"/>
+            <a:ext cx="201336" cy="248676"/>
+          </a:xfrm>
+          <a:prstGeom prst="snip1Rect">
+            <a:avLst/>
+          </a:prstGeom>
+          <a:noFill/>
+          <a:ln w="6350">
+            <a:solidFill>
+              <a:schemeClr val="tx1"/>
+            </a:solidFill>
+          </a:ln>
+        </p:spPr>
+        <p:style>
+          <a:lnRef idx="2">
+            <a:schemeClr val="accent1">
+              <a:shade val="50000"/>
+            </a:schemeClr>
+          </a:lnRef>
+          <a:fillRef idx="1">
+            <a:schemeClr val="accent1"/>
+          </a:fillRef>
+          <a:effectRef idx="0">
+            <a:schemeClr val="accent1"/>
+          </a:effectRef>
+          <a:fontRef idx="minor">
+            <a:schemeClr val="lt1"/>
+          </a:fontRef>
+        </p:style>
+        <p:txBody>
+          <a:bodyPr rtlCol="0" anchor="ctr"/>
+          <a:lstStyle/>
+          <a:p>
+            <a:pPr algn="ctr"/>
+            <a:r>
+              <a:rPr kumimoji="1" lang="en-US" altLang="ja-JP" dirty="0">
+                <a:solidFill>
+                  <a:schemeClr val="tx1"/>
+                </a:solidFill>
+              </a:rPr>
+              <a:t>#</a:t>
+            </a:r>
+            <a:endParaRPr kumimoji="1" lang="ja-JP" altLang="en-US" dirty="0">
+              <a:solidFill>
+                <a:schemeClr val="tx1"/>
+              </a:solidFill>
+            </a:endParaRPr>
+          </a:p>
+        </p:txBody>
+      </p:sp>
+      <p:sp>
+        <p:nvSpPr>
+          <p:cNvPr id="32" name="テキスト ボックス 31">
+            <a:extLst>
+              <a:ext uri="{FF2B5EF4-FFF2-40B4-BE49-F238E27FC236}">
+                <a16:creationId xmlns:a16="http://schemas.microsoft.com/office/drawing/2014/main" id="{F7AE2DBD-E992-40BA-B7D2-4B02EC60AD75}"/>
+              </a:ext>
+            </a:extLst>
+          </p:cNvPr>
+          <p:cNvSpPr txBox="1"/>
+          <p:nvPr/>
+        </p:nvSpPr>
+        <p:spPr>
+          <a:xfrm>
+            <a:off x="880843" y="1100278"/>
+            <a:ext cx="916661" cy="307777"/>
+          </a:xfrm>
+          <a:prstGeom prst="rect">
+            <a:avLst/>
+          </a:prstGeom>
+          <a:noFill/>
+        </p:spPr>
+        <p:txBody>
+          <a:bodyPr wrap="none" rtlCol="0">
+            <a:spAutoFit/>
+          </a:bodyPr>
+          <a:lstStyle/>
+          <a:p>
+            <a:r>
+              <a:rPr kumimoji="1" lang="en-US" altLang="ja-JP" sz="1400" dirty="0"/>
+              <a:t>Wanderer</a:t>
+            </a:r>
+            <a:endParaRPr kumimoji="1" lang="ja-JP" altLang="en-US" sz="1400" dirty="0"/>
+          </a:p>
+        </p:txBody>
+      </p:sp>
+      <p:sp>
+        <p:nvSpPr>
+          <p:cNvPr id="33" name="直方体 32">
+            <a:extLst>
+              <a:ext uri="{FF2B5EF4-FFF2-40B4-BE49-F238E27FC236}">
+                <a16:creationId xmlns:a16="http://schemas.microsoft.com/office/drawing/2014/main" id="{EA33039A-EC19-4A1A-9C9C-28A5C1839E21}"/>
+              </a:ext>
+            </a:extLst>
+          </p:cNvPr>
+          <p:cNvSpPr/>
+          <p:nvPr/>
+        </p:nvSpPr>
+        <p:spPr>
+          <a:xfrm>
+            <a:off x="2961447" y="259142"/>
+            <a:ext cx="310392" cy="310392"/>
+          </a:xfrm>
+          <a:prstGeom prst="cube">
+            <a:avLst/>
+          </a:prstGeom>
+          <a:solidFill>
+            <a:schemeClr val="bg1">
+              <a:lumMod val="95000"/>
+            </a:schemeClr>
+          </a:solidFill>
+          <a:ln>
+            <a:solidFill>
+              <a:schemeClr val="tx1"/>
+            </a:solidFill>
+          </a:ln>
+        </p:spPr>
+        <p:style>
+          <a:lnRef idx="2">
+            <a:schemeClr val="accent1">
+              <a:shade val="50000"/>
+            </a:schemeClr>
+          </a:lnRef>
+          <a:fillRef idx="1">
+            <a:schemeClr val="accent1"/>
+          </a:fillRef>
+          <a:effectRef idx="0">
+            <a:schemeClr val="accent1"/>
+          </a:effectRef>
+          <a:fontRef idx="minor">
+            <a:schemeClr val="lt1"/>
+          </a:fontRef>
+        </p:style>
+        <p:txBody>
+          <a:bodyPr rtlCol="0" anchor="ctr"/>
+          <a:lstStyle/>
+          <a:p>
+            <a:pPr algn="ctr"/>
+            <a:endParaRPr kumimoji="1" lang="ja-JP" altLang="en-US"/>
+          </a:p>
+        </p:txBody>
+      </p:sp>
+      <p:sp>
+        <p:nvSpPr>
+          <p:cNvPr id="34" name="テキスト ボックス 33">
+            <a:extLst>
+              <a:ext uri="{FF2B5EF4-FFF2-40B4-BE49-F238E27FC236}">
+                <a16:creationId xmlns:a16="http://schemas.microsoft.com/office/drawing/2014/main" id="{B2BF4F04-A2A5-4DC3-8BA0-CED0ED2A7218}"/>
+              </a:ext>
+            </a:extLst>
+          </p:cNvPr>
+          <p:cNvSpPr txBox="1"/>
+          <p:nvPr/>
+        </p:nvSpPr>
+        <p:spPr>
+          <a:xfrm>
+            <a:off x="3271839" y="230979"/>
+            <a:ext cx="2311082" cy="338554"/>
+          </a:xfrm>
+          <a:prstGeom prst="rect">
+            <a:avLst/>
+          </a:prstGeom>
+          <a:noFill/>
+        </p:spPr>
+        <p:txBody>
+          <a:bodyPr wrap="none" rtlCol="0">
+            <a:spAutoFit/>
+          </a:bodyPr>
+          <a:lstStyle/>
+          <a:p>
+            <a:r>
+              <a:rPr kumimoji="1" lang="en-US" altLang="ja-JP" sz="1600" dirty="0" err="1">
+                <a:solidFill>
+                  <a:srgbClr val="FF0000"/>
+                </a:solidFill>
+              </a:rPr>
+              <a:t>PlayerModel</a:t>
+            </a:r>
+            <a:r>
+              <a:rPr kumimoji="1" lang="en-US" altLang="ja-JP" sz="1600" dirty="0">
+                <a:solidFill>
+                  <a:srgbClr val="FF0000"/>
+                </a:solidFill>
+              </a:rPr>
+              <a:t>(</a:t>
+            </a:r>
+            <a:r>
+              <a:rPr kumimoji="1" lang="en-US" altLang="ja-JP" sz="1600" dirty="0" err="1">
+                <a:solidFill>
+                  <a:srgbClr val="FF0000"/>
+                </a:solidFill>
+              </a:rPr>
+              <a:t>fbx</a:t>
+            </a:r>
+            <a:r>
+              <a:rPr kumimoji="1" lang="ja-JP" altLang="en-US" sz="1600" dirty="0">
+                <a:solidFill>
+                  <a:srgbClr val="FF0000"/>
+                </a:solidFill>
+              </a:rPr>
+              <a:t>ファイル</a:t>
+            </a:r>
+            <a:r>
+              <a:rPr kumimoji="1" lang="en-US" altLang="ja-JP" sz="1600" dirty="0">
+                <a:solidFill>
+                  <a:srgbClr val="FF0000"/>
+                </a:solidFill>
+              </a:rPr>
+              <a:t>)</a:t>
+            </a:r>
+            <a:endParaRPr kumimoji="1" lang="ja-JP" altLang="en-US" sz="1600" dirty="0">
+              <a:solidFill>
+                <a:srgbClr val="FF0000"/>
+              </a:solidFill>
+            </a:endParaRPr>
+          </a:p>
+        </p:txBody>
+      </p:sp>
+      <p:sp>
+        <p:nvSpPr>
+          <p:cNvPr id="44" name="四角形: 1 つの角を切り取る 43">
+            <a:extLst>
+              <a:ext uri="{FF2B5EF4-FFF2-40B4-BE49-F238E27FC236}">
+                <a16:creationId xmlns:a16="http://schemas.microsoft.com/office/drawing/2014/main" id="{5F4FCA83-F1CD-415D-A551-8184EF53C594}"/>
+              </a:ext>
+            </a:extLst>
+          </p:cNvPr>
+          <p:cNvSpPr/>
+          <p:nvPr/>
+        </p:nvSpPr>
+        <p:spPr>
+          <a:xfrm>
+            <a:off x="729841" y="1379731"/>
+            <a:ext cx="201336" cy="248676"/>
+          </a:xfrm>
+          <a:prstGeom prst="snip1Rect">
+            <a:avLst/>
+          </a:prstGeom>
+          <a:noFill/>
+          <a:ln w="6350">
+            <a:solidFill>
+              <a:schemeClr val="tx1"/>
+            </a:solidFill>
+          </a:ln>
+        </p:spPr>
+        <p:style>
+          <a:lnRef idx="2">
+            <a:schemeClr val="accent1">
+              <a:shade val="50000"/>
+            </a:schemeClr>
+          </a:lnRef>
+          <a:fillRef idx="1">
+            <a:schemeClr val="accent1"/>
+          </a:fillRef>
+          <a:effectRef idx="0">
+            <a:schemeClr val="accent1"/>
+          </a:effectRef>
+          <a:fontRef idx="minor">
+            <a:schemeClr val="lt1"/>
+          </a:fontRef>
+        </p:style>
+        <p:txBody>
+          <a:bodyPr rtlCol="0" anchor="ctr"/>
+          <a:lstStyle/>
+          <a:p>
+            <a:pPr algn="ctr"/>
+            <a:r>
+              <a:rPr kumimoji="1" lang="en-US" altLang="ja-JP" dirty="0">
+                <a:solidFill>
+                  <a:schemeClr val="tx1"/>
+                </a:solidFill>
+              </a:rPr>
+              <a:t>#</a:t>
+            </a:r>
+            <a:endParaRPr kumimoji="1" lang="ja-JP" altLang="en-US" dirty="0">
+              <a:solidFill>
+                <a:schemeClr val="tx1"/>
+              </a:solidFill>
+            </a:endParaRPr>
+          </a:p>
+        </p:txBody>
+      </p:sp>
+      <p:sp>
+        <p:nvSpPr>
+          <p:cNvPr id="49" name="テキスト ボックス 48">
+            <a:extLst>
+              <a:ext uri="{FF2B5EF4-FFF2-40B4-BE49-F238E27FC236}">
+                <a16:creationId xmlns:a16="http://schemas.microsoft.com/office/drawing/2014/main" id="{6BABE3F3-1106-41A7-9716-E4C21FF87EC8}"/>
+              </a:ext>
+            </a:extLst>
+          </p:cNvPr>
+          <p:cNvSpPr txBox="1"/>
+          <p:nvPr/>
+        </p:nvSpPr>
+        <p:spPr>
+          <a:xfrm>
+            <a:off x="880843" y="1379731"/>
+            <a:ext cx="868956" cy="307777"/>
+          </a:xfrm>
+          <a:prstGeom prst="rect">
+            <a:avLst/>
+          </a:prstGeom>
+          <a:noFill/>
+        </p:spPr>
+        <p:txBody>
+          <a:bodyPr wrap="none" rtlCol="0">
+            <a:spAutoFit/>
+          </a:bodyPr>
+          <a:lstStyle/>
+          <a:p>
+            <a:r>
+              <a:rPr kumimoji="1" lang="en-US" altLang="ja-JP" sz="1400" dirty="0">
+                <a:solidFill>
+                  <a:srgbClr val="FF0000"/>
+                </a:solidFill>
+              </a:rPr>
+              <a:t>Animator</a:t>
+            </a:r>
+            <a:endParaRPr kumimoji="1" lang="ja-JP" altLang="en-US" sz="1400" dirty="0">
+              <a:solidFill>
+                <a:srgbClr val="FF0000"/>
+              </a:solidFill>
+            </a:endParaRPr>
+          </a:p>
+        </p:txBody>
+      </p:sp>
+      <p:cxnSp>
+        <p:nvCxnSpPr>
+          <p:cNvPr id="53" name="直線コネクタ 52">
+            <a:extLst>
+              <a:ext uri="{FF2B5EF4-FFF2-40B4-BE49-F238E27FC236}">
+                <a16:creationId xmlns:a16="http://schemas.microsoft.com/office/drawing/2014/main" id="{CAEB4961-EE27-4470-B39F-D31A2021F58E}"/>
+              </a:ext>
+            </a:extLst>
+          </p:cNvPr>
+          <p:cNvCxnSpPr>
+            <a:cxnSpLocks/>
+          </p:cNvCxnSpPr>
+          <p:nvPr/>
+        </p:nvCxnSpPr>
+        <p:spPr>
+          <a:xfrm>
+            <a:off x="1056136" y="1700376"/>
+            <a:ext cx="0" cy="447205"/>
+          </a:xfrm>
+          <a:prstGeom prst="line">
+            <a:avLst/>
+          </a:prstGeom>
+          <a:ln>
+            <a:solidFill>
+              <a:schemeClr val="tx1"/>
+            </a:solidFill>
+            <a:headEnd type="triangle"/>
+          </a:ln>
+        </p:spPr>
+        <p:style>
+          <a:lnRef idx="1">
+            <a:schemeClr val="accent1"/>
+          </a:lnRef>
+          <a:fillRef idx="0">
+            <a:schemeClr val="accent1"/>
+          </a:fillRef>
+          <a:effectRef idx="0">
+            <a:schemeClr val="accent1"/>
+          </a:effectRef>
+          <a:fontRef idx="minor">
+            <a:schemeClr val="tx1"/>
+          </a:fontRef>
+        </p:style>
+      </p:cxnSp>
+      <p:cxnSp>
+        <p:nvCxnSpPr>
+          <p:cNvPr id="60" name="直線コネクタ 59">
+            <a:extLst>
+              <a:ext uri="{FF2B5EF4-FFF2-40B4-BE49-F238E27FC236}">
+                <a16:creationId xmlns:a16="http://schemas.microsoft.com/office/drawing/2014/main" id="{D24D4187-51B4-4321-BCBD-587E4B8280B4}"/>
+              </a:ext>
+            </a:extLst>
+          </p:cNvPr>
+          <p:cNvCxnSpPr>
+            <a:cxnSpLocks/>
+          </p:cNvCxnSpPr>
+          <p:nvPr/>
+        </p:nvCxnSpPr>
+        <p:spPr>
+          <a:xfrm>
+            <a:off x="1056136" y="1826210"/>
+            <a:ext cx="693663" cy="0"/>
+          </a:xfrm>
+          <a:prstGeom prst="line">
+            <a:avLst/>
+          </a:prstGeom>
+          <a:ln>
+            <a:solidFill>
+              <a:schemeClr val="tx1"/>
+            </a:solidFill>
+          </a:ln>
+        </p:spPr>
+        <p:style>
+          <a:lnRef idx="1">
+            <a:schemeClr val="accent1"/>
+          </a:lnRef>
+          <a:fillRef idx="0">
+            <a:schemeClr val="accent1"/>
+          </a:fillRef>
+          <a:effectRef idx="0">
+            <a:schemeClr val="accent1"/>
+          </a:effectRef>
+          <a:fontRef idx="minor">
+            <a:schemeClr val="tx1"/>
+          </a:fontRef>
+        </p:style>
+      </p:cxnSp>
+      <p:cxnSp>
+        <p:nvCxnSpPr>
+          <p:cNvPr id="61" name="直線コネクタ 60">
+            <a:extLst>
+              <a:ext uri="{FF2B5EF4-FFF2-40B4-BE49-F238E27FC236}">
+                <a16:creationId xmlns:a16="http://schemas.microsoft.com/office/drawing/2014/main" id="{42CE667A-9314-4C40-8B94-829EBA053479}"/>
+              </a:ext>
+            </a:extLst>
+          </p:cNvPr>
+          <p:cNvCxnSpPr>
+            <a:cxnSpLocks/>
+          </p:cNvCxnSpPr>
+          <p:nvPr/>
+        </p:nvCxnSpPr>
+        <p:spPr>
+          <a:xfrm>
+            <a:off x="1056136" y="2147581"/>
+            <a:ext cx="693663" cy="0"/>
+          </a:xfrm>
+          <a:prstGeom prst="line">
+            <a:avLst/>
+          </a:prstGeom>
+          <a:ln>
+            <a:solidFill>
+              <a:schemeClr val="tx1"/>
+            </a:solidFill>
+          </a:ln>
+        </p:spPr>
+        <p:style>
+          <a:lnRef idx="1">
+            <a:schemeClr val="accent1"/>
+          </a:lnRef>
+          <a:fillRef idx="0">
+            <a:schemeClr val="accent1"/>
+          </a:fillRef>
+          <a:effectRef idx="0">
+            <a:schemeClr val="accent1"/>
+          </a:effectRef>
+          <a:fontRef idx="minor">
+            <a:schemeClr val="tx1"/>
+          </a:fontRef>
+        </p:style>
+      </p:cxnSp>
+      <p:sp>
+        <p:nvSpPr>
+          <p:cNvPr id="62" name="スマイル 61">
+            <a:extLst>
+              <a:ext uri="{FF2B5EF4-FFF2-40B4-BE49-F238E27FC236}">
+                <a16:creationId xmlns:a16="http://schemas.microsoft.com/office/drawing/2014/main" id="{49C27C84-D396-41AE-8CC0-C263ADCC8FF6}"/>
+              </a:ext>
+            </a:extLst>
+          </p:cNvPr>
+          <p:cNvSpPr/>
+          <p:nvPr/>
+        </p:nvSpPr>
+        <p:spPr>
+          <a:xfrm>
+            <a:off x="1797504" y="2029754"/>
+            <a:ext cx="265370" cy="265370"/>
+          </a:xfrm>
+          <a:prstGeom prst="smileyFace">
+            <a:avLst/>
+          </a:prstGeom>
+          <a:noFill/>
+          <a:ln>
+            <a:solidFill>
+              <a:srgbClr val="FF0000"/>
+            </a:solidFill>
+          </a:ln>
+        </p:spPr>
+        <p:style>
+          <a:lnRef idx="2">
+            <a:schemeClr val="accent1">
+              <a:shade val="50000"/>
+            </a:schemeClr>
+          </a:lnRef>
+          <a:fillRef idx="1">
+            <a:schemeClr val="accent1"/>
+          </a:fillRef>
+          <a:effectRef idx="0">
+            <a:schemeClr val="accent1"/>
+          </a:effectRef>
+          <a:fontRef idx="minor">
+            <a:schemeClr val="lt1"/>
+          </a:fontRef>
+        </p:style>
+        <p:txBody>
+          <a:bodyPr rtlCol="0" anchor="ctr"/>
+          <a:lstStyle/>
+          <a:p>
+            <a:pPr algn="ctr"/>
+            <a:endParaRPr kumimoji="1" lang="ja-JP" altLang="en-US"/>
+          </a:p>
+        </p:txBody>
+      </p:sp>
+      <p:sp>
+        <p:nvSpPr>
+          <p:cNvPr id="63" name="テキスト ボックス 62">
+            <a:extLst>
+              <a:ext uri="{FF2B5EF4-FFF2-40B4-BE49-F238E27FC236}">
+                <a16:creationId xmlns:a16="http://schemas.microsoft.com/office/drawing/2014/main" id="{69B7BAE3-A29E-4CB6-BB4D-3BDF1E281237}"/>
+              </a:ext>
+            </a:extLst>
+          </p:cNvPr>
+          <p:cNvSpPr txBox="1"/>
+          <p:nvPr/>
+        </p:nvSpPr>
+        <p:spPr>
+          <a:xfrm>
+            <a:off x="2011664" y="2009055"/>
+            <a:ext cx="2539350" cy="307777"/>
+          </a:xfrm>
+          <a:prstGeom prst="rect">
+            <a:avLst/>
+          </a:prstGeom>
+          <a:noFill/>
+        </p:spPr>
+        <p:txBody>
+          <a:bodyPr wrap="none" rtlCol="0">
+            <a:spAutoFit/>
+          </a:bodyPr>
+          <a:lstStyle/>
+          <a:p>
+            <a:r>
+              <a:rPr kumimoji="1" lang="en-US" altLang="ja-JP" sz="1400" dirty="0">
+                <a:solidFill>
+                  <a:srgbClr val="FF0000"/>
+                </a:solidFill>
+              </a:rPr>
+              <a:t>Avatar</a:t>
+            </a:r>
+            <a:r>
+              <a:rPr kumimoji="1" lang="ja-JP" altLang="en-US" sz="1400" dirty="0">
+                <a:solidFill>
+                  <a:srgbClr val="FF0000"/>
+                </a:solidFill>
+              </a:rPr>
+              <a:t>（</a:t>
+            </a:r>
+            <a:r>
+              <a:rPr kumimoji="1" lang="en-US" altLang="ja-JP" sz="1400" dirty="0">
+                <a:solidFill>
+                  <a:srgbClr val="FF0000"/>
+                </a:solidFill>
+              </a:rPr>
+              <a:t>meta</a:t>
+            </a:r>
+            <a:r>
+              <a:rPr kumimoji="1" lang="ja-JP" altLang="en-US" sz="1400" dirty="0">
+                <a:solidFill>
+                  <a:srgbClr val="FF0000"/>
+                </a:solidFill>
+              </a:rPr>
+              <a:t>ファイル内の情報）</a:t>
+            </a:r>
+          </a:p>
+        </p:txBody>
+      </p:sp>
+      <p:sp>
+        <p:nvSpPr>
+          <p:cNvPr id="64" name="テキスト ボックス 63">
+            <a:extLst>
+              <a:ext uri="{FF2B5EF4-FFF2-40B4-BE49-F238E27FC236}">
+                <a16:creationId xmlns:a16="http://schemas.microsoft.com/office/drawing/2014/main" id="{279C71E5-DBD9-420D-AACB-2EF302533F0D}"/>
+              </a:ext>
+            </a:extLst>
+          </p:cNvPr>
+          <p:cNvSpPr txBox="1"/>
+          <p:nvPr/>
+        </p:nvSpPr>
+        <p:spPr>
+          <a:xfrm>
+            <a:off x="1749799" y="1671750"/>
+            <a:ext cx="1678858" cy="307777"/>
+          </a:xfrm>
+          <a:prstGeom prst="rect">
+            <a:avLst/>
+          </a:prstGeom>
+          <a:noFill/>
+        </p:spPr>
+        <p:txBody>
+          <a:bodyPr wrap="none" rtlCol="0">
+            <a:spAutoFit/>
+          </a:bodyPr>
+          <a:lstStyle/>
+          <a:p>
+            <a:r>
+              <a:rPr kumimoji="1" lang="en-US" altLang="ja-JP" sz="1400" dirty="0" err="1">
+                <a:solidFill>
+                  <a:srgbClr val="FF0000"/>
+                </a:solidFill>
+              </a:rPr>
+              <a:t>AnimationController</a:t>
+            </a:r>
+            <a:endParaRPr kumimoji="1" lang="ja-JP" altLang="en-US" sz="1400" dirty="0">
+              <a:solidFill>
+                <a:srgbClr val="FF0000"/>
+              </a:solidFill>
+            </a:endParaRPr>
+          </a:p>
+        </p:txBody>
+      </p:sp>
+      <p:cxnSp>
+        <p:nvCxnSpPr>
+          <p:cNvPr id="65" name="直線コネクタ 64">
+            <a:extLst>
+              <a:ext uri="{FF2B5EF4-FFF2-40B4-BE49-F238E27FC236}">
+                <a16:creationId xmlns:a16="http://schemas.microsoft.com/office/drawing/2014/main" id="{80F3C99E-6A63-41FD-A8F2-DD3CF008167D}"/>
+              </a:ext>
+            </a:extLst>
+          </p:cNvPr>
+          <p:cNvCxnSpPr>
+            <a:cxnSpLocks/>
+          </p:cNvCxnSpPr>
+          <p:nvPr/>
+        </p:nvCxnSpPr>
+        <p:spPr>
+          <a:xfrm>
+            <a:off x="3368520" y="1825638"/>
+            <a:ext cx="479050" cy="0"/>
+          </a:xfrm>
+          <a:prstGeom prst="line">
+            <a:avLst/>
+          </a:prstGeom>
+          <a:ln>
+            <a:solidFill>
+              <a:schemeClr val="tx1"/>
+            </a:solidFill>
+            <a:headEnd type="triangle"/>
+          </a:ln>
+        </p:spPr>
+        <p:style>
+          <a:lnRef idx="1">
+            <a:schemeClr val="accent1"/>
+          </a:lnRef>
+          <a:fillRef idx="0">
+            <a:schemeClr val="accent1"/>
+          </a:fillRef>
+          <a:effectRef idx="0">
+            <a:schemeClr val="accent1"/>
+          </a:effectRef>
+          <a:fontRef idx="minor">
+            <a:schemeClr val="tx1"/>
+          </a:fontRef>
+        </p:style>
+      </p:cxnSp>
+      <p:sp>
+        <p:nvSpPr>
+          <p:cNvPr id="66" name="テキスト ボックス 65">
+            <a:extLst>
+              <a:ext uri="{FF2B5EF4-FFF2-40B4-BE49-F238E27FC236}">
+                <a16:creationId xmlns:a16="http://schemas.microsoft.com/office/drawing/2014/main" id="{1B96756E-488F-4610-80CA-70A9DFD92815}"/>
+              </a:ext>
+            </a:extLst>
+          </p:cNvPr>
+          <p:cNvSpPr txBox="1"/>
+          <p:nvPr/>
+        </p:nvSpPr>
+        <p:spPr>
+          <a:xfrm>
+            <a:off x="4122319" y="1640972"/>
+            <a:ext cx="1936684" cy="307777"/>
+          </a:xfrm>
+          <a:prstGeom prst="rect">
+            <a:avLst/>
+          </a:prstGeom>
+          <a:noFill/>
+        </p:spPr>
+        <p:txBody>
+          <a:bodyPr wrap="none" rtlCol="0">
+            <a:spAutoFit/>
+          </a:bodyPr>
+          <a:lstStyle/>
+          <a:p>
+            <a:r>
+              <a:rPr kumimoji="1" lang="en-US" altLang="ja-JP" sz="1400" dirty="0" err="1">
+                <a:solidFill>
+                  <a:srgbClr val="FF0000"/>
+                </a:solidFill>
+              </a:rPr>
+              <a:t>AnimationClip</a:t>
+            </a:r>
+            <a:r>
+              <a:rPr kumimoji="1" lang="ja-JP" altLang="en-US" sz="1400" dirty="0">
+                <a:solidFill>
+                  <a:srgbClr val="FF0000"/>
+                </a:solidFill>
+              </a:rPr>
+              <a:t>（複数可）</a:t>
+            </a:r>
+          </a:p>
+        </p:txBody>
+      </p:sp>
+      <p:sp>
+        <p:nvSpPr>
+          <p:cNvPr id="7" name="スクロール: 縦 6">
+            <a:extLst>
+              <a:ext uri="{FF2B5EF4-FFF2-40B4-BE49-F238E27FC236}">
+                <a16:creationId xmlns:a16="http://schemas.microsoft.com/office/drawing/2014/main" id="{3BCF8AEE-6F70-4AFE-BAE0-A9CD0CBFEB94}"/>
+              </a:ext>
+            </a:extLst>
+          </p:cNvPr>
+          <p:cNvSpPr/>
+          <p:nvPr/>
+        </p:nvSpPr>
+        <p:spPr>
+          <a:xfrm>
+            <a:off x="3903673" y="1700376"/>
+            <a:ext cx="274749" cy="223591"/>
+          </a:xfrm>
+          <a:prstGeom prst="verticalScroll">
+            <a:avLst>
+              <a:gd name="adj" fmla="val 25000"/>
+            </a:avLst>
+          </a:prstGeom>
+          <a:noFill/>
+          <a:ln>
+            <a:solidFill>
+              <a:srgbClr val="FF0000"/>
+            </a:solidFill>
+          </a:ln>
+        </p:spPr>
+        <p:style>
+          <a:lnRef idx="2">
+            <a:schemeClr val="accent1">
+              <a:shade val="50000"/>
+            </a:schemeClr>
+          </a:lnRef>
+          <a:fillRef idx="1">
+            <a:schemeClr val="accent1"/>
+          </a:fillRef>
+          <a:effectRef idx="0">
+            <a:schemeClr val="accent1"/>
+          </a:effectRef>
+          <a:fontRef idx="minor">
+            <a:schemeClr val="lt1"/>
+          </a:fontRef>
+        </p:style>
+        <p:txBody>
+          <a:bodyPr rtlCol="0" anchor="ctr"/>
+          <a:lstStyle/>
+          <a:p>
+            <a:pPr algn="ctr"/>
+            <a:endParaRPr kumimoji="1" lang="ja-JP" altLang="en-US"/>
+          </a:p>
+        </p:txBody>
+      </p:sp>
+    </p:spTree>
+    <p:extLst>
+      <p:ext uri="{BB962C8B-B14F-4D97-AF65-F5344CB8AC3E}">
+        <p14:creationId xmlns:p14="http://schemas.microsoft.com/office/powerpoint/2010/main" val="64272267"/>
+      </p:ext>
+    </p:extLst>
+  </p:cSld>
+  <p:clrMapOvr>
+    <a:masterClrMapping/>
+  </p:clrMapOvr>
+</p:sld>
+</file>
+
 <file path=ppt/theme/theme1.xml><?xml version="1.0" encoding="utf-8"?>
 <a:theme xmlns:a="http://schemas.openxmlformats.org/drawingml/2006/main" name="Office テーマ">
   <a:themeElements>
